--- a/2-coverage/lec9.5-ACC-ICC-example.pptx
+++ b/2-coverage/lec9.5-ACC-ICC-example.pptx
@@ -2411,6 +2411,34 @@
               </a:rPr>
               <a:t>b:</a:t>
             </a:r>
+          </a:p>
+          <a:p>
+            <a:pPr marL="800100" lvl="1" indent="-342900" latinLnBrk="1">
+              <a:spcBef>
+                <a:spcPct val="20000"/>
+              </a:spcBef>
+              <a:buClr>
+                <a:schemeClr val="hlink"/>
+              </a:buClr>
+              <a:buSzPct val="70000"/>
+              <a:buFont typeface="Wingdings" pitchFamily="2" charset="2"/>
+              <a:buChar char="n"/>
+            </a:pPr>
+            <a:r>
+              <a:rPr lang="en-US" altLang="ko-KR" sz="1800" b="0" kern="0">
+                <a:solidFill>
+                  <a:schemeClr val="bg1"/>
+                </a:solidFill>
+                <a:effectLst>
+                  <a:outerShdw blurRad="38100" dist="38100" dir="2700000" algn="tl">
+                    <a:srgbClr val="C0C0C0"/>
+                  </a:outerShdw>
+                </a:effectLst>
+                <a:latin typeface="Calibri" panose="020F0502020204030204" pitchFamily="34" charset="0"/>
+                <a:cs typeface="Calibri" panose="020F0502020204030204" pitchFamily="34" charset="0"/>
+              </a:rPr>
+              <a:t>c:</a:t>
+            </a:r>
             <a:endParaRPr lang="en-US" sz="1800" b="0" kern="0" dirty="0">
               <a:solidFill>
                 <a:schemeClr val="bg1"/>
@@ -2577,6 +2605,77 @@
               <a:buChar char="n"/>
             </a:pPr>
             <a:r>
+              <a:rPr lang="en-US" sz="1800" b="0" kern="0">
+                <a:solidFill>
+                  <a:schemeClr val="bg1"/>
+                </a:solidFill>
+                <a:effectLst>
+                  <a:outerShdw blurRad="38100" dist="38100" dir="2700000" algn="tl">
+                    <a:srgbClr val="C0C0C0"/>
+                  </a:outerShdw>
+                </a:effectLst>
+                <a:latin typeface="Calibri" panose="020F0502020204030204" pitchFamily="34" charset="0"/>
+                <a:cs typeface="Calibri" panose="020F0502020204030204" pitchFamily="34" charset="0"/>
+              </a:rPr>
+              <a:t>a:</a:t>
+            </a:r>
+          </a:p>
+          <a:p>
+            <a:pPr marL="800100" lvl="1" indent="-342900" latinLnBrk="1">
+              <a:spcBef>
+                <a:spcPct val="20000"/>
+              </a:spcBef>
+              <a:buClr>
+                <a:schemeClr val="hlink"/>
+              </a:buClr>
+              <a:buSzPct val="70000"/>
+              <a:buFont typeface="Wingdings" pitchFamily="2" charset="2"/>
+              <a:buChar char="n"/>
+            </a:pPr>
+            <a:r>
+              <a:rPr lang="en-US" sz="1800" b="0" kern="0">
+                <a:solidFill>
+                  <a:schemeClr val="bg1"/>
+                </a:solidFill>
+                <a:effectLst>
+                  <a:outerShdw blurRad="38100" dist="38100" dir="2700000" algn="tl">
+                    <a:srgbClr val="C0C0C0"/>
+                  </a:outerShdw>
+                </a:effectLst>
+                <a:latin typeface="Calibri" panose="020F0502020204030204" pitchFamily="34" charset="0"/>
+                <a:cs typeface="Calibri" panose="020F0502020204030204" pitchFamily="34" charset="0"/>
+              </a:rPr>
+              <a:t>b:</a:t>
+            </a:r>
+          </a:p>
+          <a:p>
+            <a:pPr marL="800100" lvl="1" indent="-342900" latinLnBrk="1">
+              <a:spcBef>
+                <a:spcPct val="20000"/>
+              </a:spcBef>
+              <a:buClr>
+                <a:schemeClr val="hlink"/>
+              </a:buClr>
+              <a:buSzPct val="70000"/>
+              <a:buFont typeface="Wingdings" pitchFamily="2" charset="2"/>
+              <a:buChar char="n"/>
+            </a:pPr>
+            <a:r>
+              <a:rPr lang="en-US" sz="1800" b="0" kern="0">
+                <a:solidFill>
+                  <a:schemeClr val="bg1"/>
+                </a:solidFill>
+                <a:effectLst>
+                  <a:outerShdw blurRad="38100" dist="38100" dir="2700000" algn="tl">
+                    <a:srgbClr val="C0C0C0"/>
+                  </a:outerShdw>
+                </a:effectLst>
+                <a:latin typeface="Calibri" panose="020F0502020204030204" pitchFamily="34" charset="0"/>
+                <a:cs typeface="Calibri" panose="020F0502020204030204" pitchFamily="34" charset="0"/>
+              </a:rPr>
+              <a:t>c</a:t>
+            </a:r>
+            <a:r>
               <a:rPr lang="en-US" sz="1800" b="0" kern="0" dirty="0">
                 <a:solidFill>
                   <a:schemeClr val="bg1"/>
@@ -2589,7 +2688,7 @@
                 <a:latin typeface="Calibri" panose="020F0502020204030204" pitchFamily="34" charset="0"/>
                 <a:cs typeface="Calibri" panose="020F0502020204030204" pitchFamily="34" charset="0"/>
               </a:rPr>
-              <a:t>a, b, c:  </a:t>
+              <a:t>:  </a:t>
             </a:r>
           </a:p>
           <a:p>
@@ -4384,475 +4483,6 @@
       </p:sp>
       <p:sp>
         <p:nvSpPr>
-          <p:cNvPr id="6" name="Rectangle 3"/>
-          <p:cNvSpPr txBox="1">
-            <a:spLocks noChangeArrowheads="1"/>
-          </p:cNvSpPr>
-          <p:nvPr/>
-        </p:nvSpPr>
-        <p:spPr bwMode="auto">
-          <a:xfrm>
-            <a:off x="3650924" y="1664607"/>
-            <a:ext cx="5250189" cy="4498975"/>
-          </a:xfrm>
-          <a:prstGeom prst="rect">
-            <a:avLst/>
-          </a:prstGeom>
-          <a:noFill/>
-          <a:ln w="9525">
-            <a:noFill/>
-            <a:miter lim="800000"/>
-            <a:headEnd/>
-            <a:tailEnd/>
-          </a:ln>
-          <a:effectLst/>
-        </p:spPr>
-        <p:txBody>
-          <a:bodyPr vert="horz" wrap="square" lIns="91440" tIns="45720" rIns="91440" bIns="45720" numCol="1" anchor="t" anchorCtr="0" compatLnSpc="1">
-            <a:prstTxWarp prst="textNoShape">
-              <a:avLst/>
-            </a:prstTxWarp>
-          </a:bodyPr>
-          <a:lstStyle/>
-          <a:p>
-            <a:pPr marL="342900" indent="-342900" latinLnBrk="1">
-              <a:spcBef>
-                <a:spcPct val="20000"/>
-              </a:spcBef>
-              <a:buClr>
-                <a:schemeClr val="hlink"/>
-              </a:buClr>
-              <a:buSzPct val="70000"/>
-              <a:buFont typeface="Wingdings" pitchFamily="2" charset="2"/>
-              <a:buChar char="n"/>
-            </a:pPr>
-            <a:r>
-              <a:rPr lang="en-US" b="0" kern="0" dirty="0">
-                <a:solidFill>
-                  <a:schemeClr val="bg1"/>
-                </a:solidFill>
-                <a:effectLst>
-                  <a:outerShdw blurRad="38100" dist="38100" dir="2700000" algn="tl">
-                    <a:srgbClr val="C0C0C0"/>
-                  </a:outerShdw>
-                </a:effectLst>
-                <a:latin typeface="Calibri" panose="020F0502020204030204" pitchFamily="34" charset="0"/>
-                <a:cs typeface="Calibri" panose="020F0502020204030204" pitchFamily="34" charset="0"/>
-              </a:rPr>
-              <a:t>All pairs of rows satisfying CACC</a:t>
-            </a:r>
-          </a:p>
-          <a:p>
-            <a:pPr marL="800100" lvl="1" indent="-342900" latinLnBrk="1">
-              <a:spcBef>
-                <a:spcPct val="20000"/>
-              </a:spcBef>
-              <a:buClr>
-                <a:schemeClr val="hlink"/>
-              </a:buClr>
-              <a:buSzPct val="70000"/>
-              <a:buFont typeface="Wingdings" pitchFamily="2" charset="2"/>
-              <a:buChar char="n"/>
-            </a:pPr>
-            <a:r>
-              <a:rPr lang="en-US" b="0" kern="0" dirty="0">
-                <a:solidFill>
-                  <a:schemeClr val="bg1"/>
-                </a:solidFill>
-                <a:effectLst>
-                  <a:outerShdw blurRad="38100" dist="38100" dir="2700000" algn="tl">
-                    <a:srgbClr val="C0C0C0"/>
-                  </a:outerShdw>
-                </a:effectLst>
-                <a:latin typeface="Calibri" panose="020F0502020204030204" pitchFamily="34" charset="0"/>
-                <a:cs typeface="Calibri" panose="020F0502020204030204" pitchFamily="34" charset="0"/>
-              </a:rPr>
-              <a:t> </a:t>
-            </a:r>
-          </a:p>
-          <a:p>
-            <a:pPr marL="342900" indent="-342900" latinLnBrk="1">
-              <a:spcBef>
-                <a:spcPct val="20000"/>
-              </a:spcBef>
-              <a:buClr>
-                <a:schemeClr val="hlink"/>
-              </a:buClr>
-              <a:buSzPct val="70000"/>
-              <a:buFont typeface="Wingdings" pitchFamily="2" charset="2"/>
-              <a:buChar char="n"/>
-            </a:pPr>
-            <a:r>
-              <a:rPr lang="en-US" b="0" kern="0" dirty="0">
-                <a:solidFill>
-                  <a:schemeClr val="bg1"/>
-                </a:solidFill>
-                <a:effectLst>
-                  <a:outerShdw blurRad="38100" dist="38100" dir="2700000" algn="tl">
-                    <a:srgbClr val="C0C0C0"/>
-                  </a:outerShdw>
-                </a:effectLst>
-                <a:latin typeface="Calibri" panose="020F0502020204030204" pitchFamily="34" charset="0"/>
-                <a:cs typeface="Calibri" panose="020F0502020204030204" pitchFamily="34" charset="0"/>
-              </a:rPr>
-              <a:t>All pairs of rows satisfying RACC</a:t>
-            </a:r>
-          </a:p>
-          <a:p>
-            <a:pPr marL="800100" lvl="1" indent="-342900" latinLnBrk="1">
-              <a:spcBef>
-                <a:spcPct val="20000"/>
-              </a:spcBef>
-              <a:buClr>
-                <a:schemeClr val="hlink"/>
-              </a:buClr>
-              <a:buSzPct val="70000"/>
-              <a:buFont typeface="Wingdings" pitchFamily="2" charset="2"/>
-              <a:buChar char="n"/>
-            </a:pPr>
-            <a:r>
-              <a:rPr lang="en-US" b="0" kern="0" dirty="0">
-                <a:solidFill>
-                  <a:schemeClr val="bg1"/>
-                </a:solidFill>
-                <a:effectLst>
-                  <a:outerShdw blurRad="38100" dist="38100" dir="2700000" algn="tl">
-                    <a:srgbClr val="C0C0C0"/>
-                  </a:outerShdw>
-                </a:effectLst>
-                <a:latin typeface="Calibri" panose="020F0502020204030204" pitchFamily="34" charset="0"/>
-                <a:cs typeface="Calibri" panose="020F0502020204030204" pitchFamily="34" charset="0"/>
-              </a:rPr>
-              <a:t>   </a:t>
-            </a:r>
-          </a:p>
-          <a:p>
-            <a:pPr marL="800100" lvl="1" indent="-342900" latinLnBrk="1">
-              <a:spcBef>
-                <a:spcPct val="20000"/>
-              </a:spcBef>
-              <a:buClr>
-                <a:schemeClr val="hlink"/>
-              </a:buClr>
-              <a:buSzPct val="70000"/>
-              <a:buFont typeface="Wingdings" pitchFamily="2" charset="2"/>
-              <a:buChar char="n"/>
-            </a:pPr>
-            <a:r>
-              <a:rPr lang="en-US" b="0" kern="0" dirty="0">
-                <a:solidFill>
-                  <a:schemeClr val="bg1"/>
-                </a:solidFill>
-                <a:effectLst>
-                  <a:outerShdw blurRad="38100" dist="38100" dir="2700000" algn="tl">
-                    <a:srgbClr val="C0C0C0"/>
-                  </a:outerShdw>
-                </a:effectLst>
-                <a:latin typeface="Calibri" panose="020F0502020204030204" pitchFamily="34" charset="0"/>
-                <a:cs typeface="Calibri" panose="020F0502020204030204" pitchFamily="34" charset="0"/>
-              </a:rPr>
-              <a:t> </a:t>
-            </a:r>
-          </a:p>
-          <a:p>
-            <a:pPr marL="342900" indent="-342900" latinLnBrk="1">
-              <a:spcBef>
-                <a:spcPct val="20000"/>
-              </a:spcBef>
-              <a:buClr>
-                <a:schemeClr val="hlink"/>
-              </a:buClr>
-              <a:buSzPct val="70000"/>
-              <a:buFont typeface="Wingdings" pitchFamily="2" charset="2"/>
-              <a:buChar char="n"/>
-            </a:pPr>
-            <a:r>
-              <a:rPr lang="en-US" b="0" kern="0" dirty="0">
-                <a:solidFill>
-                  <a:schemeClr val="bg1"/>
-                </a:solidFill>
-                <a:effectLst>
-                  <a:outerShdw blurRad="38100" dist="38100" dir="2700000" algn="tl">
-                    <a:srgbClr val="C0C0C0"/>
-                  </a:outerShdw>
-                </a:effectLst>
-                <a:latin typeface="Calibri" panose="020F0502020204030204" pitchFamily="34" charset="0"/>
-                <a:cs typeface="Calibri" panose="020F0502020204030204" pitchFamily="34" charset="0"/>
-              </a:rPr>
-              <a:t>GICC</a:t>
-            </a:r>
-          </a:p>
-          <a:p>
-            <a:pPr marL="800100" lvl="1" indent="-342900" latinLnBrk="1">
-              <a:spcBef>
-                <a:spcPct val="20000"/>
-              </a:spcBef>
-              <a:buClr>
-                <a:schemeClr val="hlink"/>
-              </a:buClr>
-              <a:buSzPct val="70000"/>
-              <a:buFont typeface="Wingdings" pitchFamily="2" charset="2"/>
-              <a:buChar char="n"/>
-            </a:pPr>
-            <a:r>
-              <a:rPr lang="en-US" b="0" kern="0" dirty="0">
-                <a:solidFill>
-                  <a:schemeClr val="bg1"/>
-                </a:solidFill>
-                <a:effectLst>
-                  <a:outerShdw blurRad="38100" dist="38100" dir="2700000" algn="tl">
-                    <a:srgbClr val="C0C0C0"/>
-                  </a:outerShdw>
-                </a:effectLst>
-                <a:latin typeface="Calibri" panose="020F0502020204030204" pitchFamily="34" charset="0"/>
-                <a:cs typeface="Calibri" panose="020F0502020204030204" pitchFamily="34" charset="0"/>
-              </a:rPr>
-              <a:t> </a:t>
-            </a:r>
-          </a:p>
-          <a:p>
-            <a:pPr marL="800100" lvl="1" indent="-342900" latinLnBrk="1">
-              <a:spcBef>
-                <a:spcPct val="20000"/>
-              </a:spcBef>
-              <a:buClr>
-                <a:schemeClr val="hlink"/>
-              </a:buClr>
-              <a:buSzPct val="70000"/>
-              <a:buFont typeface="Wingdings" pitchFamily="2" charset="2"/>
-              <a:buChar char="n"/>
-            </a:pPr>
-            <a:r>
-              <a:rPr lang="en-US" b="0" kern="0" dirty="0">
-                <a:solidFill>
-                  <a:schemeClr val="bg1"/>
-                </a:solidFill>
-                <a:effectLst>
-                  <a:outerShdw blurRad="38100" dist="38100" dir="2700000" algn="tl">
-                    <a:srgbClr val="C0C0C0"/>
-                  </a:outerShdw>
-                </a:effectLst>
-                <a:latin typeface="Calibri" panose="020F0502020204030204" pitchFamily="34" charset="0"/>
-                <a:cs typeface="Calibri" panose="020F0502020204030204" pitchFamily="34" charset="0"/>
-              </a:rPr>
-              <a:t> </a:t>
-            </a:r>
-          </a:p>
-          <a:p>
-            <a:pPr marL="800100" lvl="1" indent="-342900" latinLnBrk="1">
-              <a:spcBef>
-                <a:spcPct val="20000"/>
-              </a:spcBef>
-              <a:buClr>
-                <a:schemeClr val="hlink"/>
-              </a:buClr>
-              <a:buSzPct val="70000"/>
-              <a:buFont typeface="Wingdings" pitchFamily="2" charset="2"/>
-              <a:buChar char="n"/>
-            </a:pPr>
-            <a:r>
-              <a:rPr lang="en-US" b="0" kern="0" dirty="0">
-                <a:solidFill>
-                  <a:schemeClr val="bg1"/>
-                </a:solidFill>
-                <a:effectLst>
-                  <a:outerShdw blurRad="38100" dist="38100" dir="2700000" algn="tl">
-                    <a:srgbClr val="C0C0C0"/>
-                  </a:outerShdw>
-                </a:effectLst>
-                <a:latin typeface="Calibri" panose="020F0502020204030204" pitchFamily="34" charset="0"/>
-                <a:cs typeface="Calibri" panose="020F0502020204030204" pitchFamily="34" charset="0"/>
-              </a:rPr>
-              <a:t> </a:t>
-            </a:r>
-          </a:p>
-          <a:p>
-            <a:pPr marL="342900" indent="-342900" latinLnBrk="1">
-              <a:spcBef>
-                <a:spcPct val="20000"/>
-              </a:spcBef>
-              <a:buClr>
-                <a:schemeClr val="hlink"/>
-              </a:buClr>
-              <a:buSzPct val="70000"/>
-              <a:buFont typeface="Wingdings" pitchFamily="2" charset="2"/>
-              <a:buChar char="n"/>
-            </a:pPr>
-            <a:r>
-              <a:rPr lang="en-US" b="0" kern="0" dirty="0">
-                <a:solidFill>
-                  <a:schemeClr val="bg1"/>
-                </a:solidFill>
-                <a:effectLst>
-                  <a:outerShdw blurRad="38100" dist="38100" dir="2700000" algn="tl">
-                    <a:srgbClr val="C0C0C0"/>
-                  </a:outerShdw>
-                </a:effectLst>
-                <a:latin typeface="Calibri" panose="020F0502020204030204" pitchFamily="34" charset="0"/>
-                <a:cs typeface="Calibri" panose="020F0502020204030204" pitchFamily="34" charset="0"/>
-              </a:rPr>
-              <a:t>RICC</a:t>
-            </a:r>
-          </a:p>
-          <a:p>
-            <a:pPr marL="800100" lvl="1" indent="-342900" latinLnBrk="1">
-              <a:spcBef>
-                <a:spcPct val="20000"/>
-              </a:spcBef>
-              <a:buClr>
-                <a:schemeClr val="hlink"/>
-              </a:buClr>
-              <a:buSzPct val="70000"/>
-              <a:buFont typeface="Wingdings" pitchFamily="2" charset="2"/>
-              <a:buChar char="n"/>
-            </a:pPr>
-            <a:r>
-              <a:rPr lang="en-US" b="0" kern="0" dirty="0">
-                <a:solidFill>
-                  <a:schemeClr val="bg1"/>
-                </a:solidFill>
-                <a:effectLst>
-                  <a:outerShdw blurRad="38100" dist="38100" dir="2700000" algn="tl">
-                    <a:srgbClr val="C0C0C0"/>
-                  </a:outerShdw>
-                </a:effectLst>
-                <a:latin typeface="Calibri" panose="020F0502020204030204" pitchFamily="34" charset="0"/>
-                <a:cs typeface="Calibri" panose="020F0502020204030204" pitchFamily="34" charset="0"/>
-              </a:rPr>
-              <a:t> </a:t>
-            </a:r>
-          </a:p>
-          <a:p>
-            <a:pPr marL="800100" lvl="1" indent="-342900" latinLnBrk="1">
-              <a:spcBef>
-                <a:spcPct val="20000"/>
-              </a:spcBef>
-              <a:buClr>
-                <a:schemeClr val="hlink"/>
-              </a:buClr>
-              <a:buSzPct val="70000"/>
-              <a:buFont typeface="Wingdings" pitchFamily="2" charset="2"/>
-              <a:buChar char="n"/>
-            </a:pPr>
-            <a:r>
-              <a:rPr lang="en-US" b="0" kern="0" dirty="0">
-                <a:solidFill>
-                  <a:schemeClr val="bg1"/>
-                </a:solidFill>
-                <a:effectLst>
-                  <a:outerShdw blurRad="38100" dist="38100" dir="2700000" algn="tl">
-                    <a:srgbClr val="C0C0C0"/>
-                  </a:outerShdw>
-                </a:effectLst>
-                <a:latin typeface="Calibri" panose="020F0502020204030204" pitchFamily="34" charset="0"/>
-                <a:cs typeface="Calibri" panose="020F0502020204030204" pitchFamily="34" charset="0"/>
-              </a:rPr>
-              <a:t> </a:t>
-            </a:r>
-          </a:p>
-          <a:p>
-            <a:pPr marL="800100" lvl="1" indent="-342900" latinLnBrk="1">
-              <a:spcBef>
-                <a:spcPct val="20000"/>
-              </a:spcBef>
-              <a:buClr>
-                <a:schemeClr val="hlink"/>
-              </a:buClr>
-              <a:buSzPct val="70000"/>
-              <a:buFont typeface="Wingdings" pitchFamily="2" charset="2"/>
-              <a:buChar char="n"/>
-            </a:pPr>
-            <a:r>
-              <a:rPr lang="en-US" b="0" kern="0" dirty="0">
-                <a:solidFill>
-                  <a:schemeClr val="bg1"/>
-                </a:solidFill>
-                <a:effectLst>
-                  <a:outerShdw blurRad="38100" dist="38100" dir="2700000" algn="tl">
-                    <a:srgbClr val="C0C0C0"/>
-                  </a:outerShdw>
-                </a:effectLst>
-                <a:latin typeface="Calibri" panose="020F0502020204030204" pitchFamily="34" charset="0"/>
-                <a:cs typeface="Calibri" panose="020F0502020204030204" pitchFamily="34" charset="0"/>
-              </a:rPr>
-              <a:t> </a:t>
-            </a:r>
-          </a:p>
-          <a:p>
-            <a:pPr marL="800100" lvl="1" indent="-342900" latinLnBrk="1">
-              <a:spcBef>
-                <a:spcPct val="20000"/>
-              </a:spcBef>
-              <a:buClr>
-                <a:schemeClr val="hlink"/>
-              </a:buClr>
-              <a:buSzPct val="70000"/>
-              <a:buFont typeface="Wingdings" pitchFamily="2" charset="2"/>
-              <a:buChar char="n"/>
-            </a:pPr>
-            <a:endParaRPr lang="en-US" b="0" kern="0" dirty="0">
-              <a:solidFill>
-                <a:schemeClr val="bg1"/>
-              </a:solidFill>
-              <a:effectLst>
-                <a:outerShdw blurRad="38100" dist="38100" dir="2700000" algn="tl">
-                  <a:srgbClr val="C0C0C0"/>
-                </a:outerShdw>
-              </a:effectLst>
-              <a:latin typeface="Calibri" panose="020F0502020204030204" pitchFamily="34" charset="0"/>
-              <a:cs typeface="Calibri" panose="020F0502020204030204" pitchFamily="34" charset="0"/>
-            </a:endParaRPr>
-          </a:p>
-          <a:p>
-            <a:pPr marL="342900" indent="-342900" latinLnBrk="1">
-              <a:spcBef>
-                <a:spcPct val="20000"/>
-              </a:spcBef>
-              <a:buClr>
-                <a:schemeClr val="hlink"/>
-              </a:buClr>
-              <a:buSzPct val="70000"/>
-              <a:buFont typeface="Wingdings" pitchFamily="2" charset="2"/>
-              <a:buChar char="n"/>
-            </a:pPr>
-            <a:endParaRPr lang="en-US" b="0" kern="0" dirty="0">
-              <a:solidFill>
-                <a:schemeClr val="bg1"/>
-              </a:solidFill>
-              <a:effectLst>
-                <a:outerShdw blurRad="38100" dist="38100" dir="2700000" algn="tl">
-                  <a:srgbClr val="C0C0C0"/>
-                </a:outerShdw>
-              </a:effectLst>
-              <a:latin typeface="Calibri" panose="020F0502020204030204" pitchFamily="34" charset="0"/>
-              <a:cs typeface="Calibri" panose="020F0502020204030204" pitchFamily="34" charset="0"/>
-            </a:endParaRPr>
-          </a:p>
-          <a:p>
-            <a:pPr marL="342900" indent="-342900" latinLnBrk="1">
-              <a:spcBef>
-                <a:spcPct val="20000"/>
-              </a:spcBef>
-              <a:buClr>
-                <a:schemeClr val="hlink"/>
-              </a:buClr>
-              <a:buSzPct val="70000"/>
-              <a:buFont typeface="Wingdings" pitchFamily="2" charset="2"/>
-              <a:buChar char="n"/>
-            </a:pPr>
-            <a:endParaRPr lang="en-US" dirty="0">
-              <a:solidFill>
-                <a:schemeClr val="bg2"/>
-              </a:solidFill>
-              <a:latin typeface="Calibri" panose="020F0502020204030204" pitchFamily="34" charset="0"/>
-              <a:cs typeface="Calibri" panose="020F0502020204030204" pitchFamily="34" charset="0"/>
-              <a:sym typeface="Symbol" pitchFamily="18" charset="2"/>
-            </a:endParaRPr>
-          </a:p>
-        </p:txBody>
-      </p:sp>
-      <p:sp>
-        <p:nvSpPr>
           <p:cNvPr id="8" name="Rectangle 3"/>
           <p:cNvSpPr txBox="1">
             <a:spLocks noChangeArrowheads="1"/>
@@ -6480,6 +6110,592 @@
           </a:graphicData>
         </a:graphic>
       </p:graphicFrame>
+      <p:sp>
+        <p:nvSpPr>
+          <p:cNvPr id="7" name="Rectangle 3">
+            <a:extLst>
+              <a:ext uri="{FF2B5EF4-FFF2-40B4-BE49-F238E27FC236}">
+                <a16:creationId xmlns:a16="http://schemas.microsoft.com/office/drawing/2014/main" id="{D9C9BA0E-595F-481C-816B-AFC45CDAC545}"/>
+              </a:ext>
+            </a:extLst>
+          </p:cNvPr>
+          <p:cNvSpPr txBox="1">
+            <a:spLocks noChangeArrowheads="1"/>
+          </p:cNvSpPr>
+          <p:nvPr/>
+        </p:nvSpPr>
+        <p:spPr bwMode="auto">
+          <a:xfrm>
+            <a:off x="3879522" y="1350275"/>
+            <a:ext cx="5171609" cy="4498975"/>
+          </a:xfrm>
+          <a:prstGeom prst="rect">
+            <a:avLst/>
+          </a:prstGeom>
+          <a:noFill/>
+          <a:ln w="9525">
+            <a:noFill/>
+            <a:miter lim="800000"/>
+            <a:headEnd/>
+            <a:tailEnd/>
+          </a:ln>
+          <a:effectLst/>
+        </p:spPr>
+        <p:txBody>
+          <a:bodyPr vert="horz" wrap="square" lIns="91440" tIns="45720" rIns="91440" bIns="45720" numCol="1" anchor="t" anchorCtr="0" compatLnSpc="1">
+            <a:prstTxWarp prst="textNoShape">
+              <a:avLst/>
+            </a:prstTxWarp>
+          </a:bodyPr>
+          <a:lstStyle/>
+          <a:p>
+            <a:pPr marL="342900" indent="-342900" latinLnBrk="1">
+              <a:spcBef>
+                <a:spcPct val="20000"/>
+              </a:spcBef>
+              <a:buClr>
+                <a:schemeClr val="hlink"/>
+              </a:buClr>
+              <a:buSzPct val="70000"/>
+              <a:buFont typeface="Wingdings" pitchFamily="2" charset="2"/>
+              <a:buChar char="n"/>
+            </a:pPr>
+            <a:r>
+              <a:rPr lang="en-US" sz="1800" b="0" kern="0" dirty="0">
+                <a:solidFill>
+                  <a:schemeClr val="bg1"/>
+                </a:solidFill>
+                <a:effectLst>
+                  <a:outerShdw blurRad="38100" dist="38100" dir="2700000" algn="tl">
+                    <a:srgbClr val="C0C0C0"/>
+                  </a:outerShdw>
+                </a:effectLst>
+                <a:latin typeface="Calibri" panose="020F0502020204030204" pitchFamily="34" charset="0"/>
+                <a:cs typeface="Calibri" panose="020F0502020204030204" pitchFamily="34" charset="0"/>
+              </a:rPr>
+              <a:t>All pairs of rows satisfying CACC</a:t>
+            </a:r>
+          </a:p>
+          <a:p>
+            <a:pPr marL="800100" lvl="1" indent="-342900" latinLnBrk="1">
+              <a:spcBef>
+                <a:spcPct val="20000"/>
+              </a:spcBef>
+              <a:buClr>
+                <a:schemeClr val="hlink"/>
+              </a:buClr>
+              <a:buSzPct val="70000"/>
+              <a:buFont typeface="Wingdings" pitchFamily="2" charset="2"/>
+              <a:buChar char="n"/>
+            </a:pPr>
+            <a:r>
+              <a:rPr lang="en-US" sz="1800" b="0" kern="0" dirty="0">
+                <a:solidFill>
+                  <a:schemeClr val="bg1"/>
+                </a:solidFill>
+                <a:effectLst>
+                  <a:outerShdw blurRad="38100" dist="38100" dir="2700000" algn="tl">
+                    <a:srgbClr val="C0C0C0"/>
+                  </a:outerShdw>
+                </a:effectLst>
+                <a:latin typeface="Calibri" panose="020F0502020204030204" pitchFamily="34" charset="0"/>
+                <a:cs typeface="Calibri" panose="020F0502020204030204" pitchFamily="34" charset="0"/>
+              </a:rPr>
+              <a:t>a: </a:t>
+            </a:r>
+          </a:p>
+          <a:p>
+            <a:pPr marL="800100" lvl="1" indent="-342900" latinLnBrk="1">
+              <a:spcBef>
+                <a:spcPct val="20000"/>
+              </a:spcBef>
+              <a:buClr>
+                <a:schemeClr val="hlink"/>
+              </a:buClr>
+              <a:buSzPct val="70000"/>
+              <a:buFont typeface="Wingdings" pitchFamily="2" charset="2"/>
+              <a:buChar char="n"/>
+            </a:pPr>
+            <a:r>
+              <a:rPr lang="en-US" altLang="ko-KR" sz="1800" b="0" kern="0" dirty="0">
+                <a:solidFill>
+                  <a:schemeClr val="bg1"/>
+                </a:solidFill>
+                <a:effectLst>
+                  <a:outerShdw blurRad="38100" dist="38100" dir="2700000" algn="tl">
+                    <a:srgbClr val="C0C0C0"/>
+                  </a:outerShdw>
+                </a:effectLst>
+                <a:latin typeface="Calibri" panose="020F0502020204030204" pitchFamily="34" charset="0"/>
+                <a:cs typeface="Calibri" panose="020F0502020204030204" pitchFamily="34" charset="0"/>
+              </a:rPr>
+              <a:t>b: </a:t>
+            </a:r>
+          </a:p>
+          <a:p>
+            <a:pPr marL="800100" lvl="1" indent="-342900" latinLnBrk="1">
+              <a:spcBef>
+                <a:spcPct val="20000"/>
+              </a:spcBef>
+              <a:buClr>
+                <a:schemeClr val="hlink"/>
+              </a:buClr>
+              <a:buSzPct val="70000"/>
+              <a:buFont typeface="Wingdings" pitchFamily="2" charset="2"/>
+              <a:buChar char="n"/>
+            </a:pPr>
+            <a:r>
+              <a:rPr lang="en-US" altLang="ko-KR" sz="1800" b="0" kern="0" dirty="0">
+                <a:solidFill>
+                  <a:schemeClr val="bg1"/>
+                </a:solidFill>
+                <a:effectLst>
+                  <a:outerShdw blurRad="38100" dist="38100" dir="2700000" algn="tl">
+                    <a:srgbClr val="C0C0C0"/>
+                  </a:outerShdw>
+                </a:effectLst>
+                <a:latin typeface="Calibri" panose="020F0502020204030204" pitchFamily="34" charset="0"/>
+                <a:cs typeface="Calibri" panose="020F0502020204030204" pitchFamily="34" charset="0"/>
+              </a:rPr>
+              <a:t>c: </a:t>
+            </a:r>
+          </a:p>
+          <a:p>
+            <a:pPr marL="342900" indent="-342900" latinLnBrk="1">
+              <a:spcBef>
+                <a:spcPct val="20000"/>
+              </a:spcBef>
+              <a:buClr>
+                <a:schemeClr val="hlink"/>
+              </a:buClr>
+              <a:buSzPct val="70000"/>
+              <a:buFont typeface="Wingdings" pitchFamily="2" charset="2"/>
+              <a:buChar char="n"/>
+            </a:pPr>
+            <a:r>
+              <a:rPr lang="en-US" sz="1800" b="0" kern="0" dirty="0">
+                <a:solidFill>
+                  <a:schemeClr val="bg1"/>
+                </a:solidFill>
+                <a:effectLst>
+                  <a:outerShdw blurRad="38100" dist="38100" dir="2700000" algn="tl">
+                    <a:srgbClr val="C0C0C0"/>
+                  </a:outerShdw>
+                </a:effectLst>
+                <a:latin typeface="Calibri" panose="020F0502020204030204" pitchFamily="34" charset="0"/>
+                <a:cs typeface="Calibri" panose="020F0502020204030204" pitchFamily="34" charset="0"/>
+              </a:rPr>
+              <a:t>All pairs of rows satisfying RACC</a:t>
+            </a:r>
+          </a:p>
+          <a:p>
+            <a:pPr marL="800100" lvl="1" indent="-342900" latinLnBrk="1">
+              <a:spcBef>
+                <a:spcPct val="20000"/>
+              </a:spcBef>
+              <a:buClr>
+                <a:schemeClr val="hlink"/>
+              </a:buClr>
+              <a:buSzPct val="70000"/>
+              <a:buFont typeface="Wingdings" pitchFamily="2" charset="2"/>
+              <a:buChar char="n"/>
+            </a:pPr>
+            <a:r>
+              <a:rPr lang="en-US" sz="1800" b="0" kern="0" dirty="0">
+                <a:solidFill>
+                  <a:schemeClr val="bg1"/>
+                </a:solidFill>
+                <a:effectLst>
+                  <a:outerShdw blurRad="38100" dist="38100" dir="2700000" algn="tl">
+                    <a:srgbClr val="C0C0C0"/>
+                  </a:outerShdw>
+                </a:effectLst>
+                <a:latin typeface="Calibri" panose="020F0502020204030204" pitchFamily="34" charset="0"/>
+                <a:cs typeface="Calibri" panose="020F0502020204030204" pitchFamily="34" charset="0"/>
+              </a:rPr>
+              <a:t>a:  </a:t>
+            </a:r>
+          </a:p>
+          <a:p>
+            <a:pPr marL="800100" lvl="1" indent="-342900" latinLnBrk="1">
+              <a:spcBef>
+                <a:spcPct val="20000"/>
+              </a:spcBef>
+              <a:buClr>
+                <a:schemeClr val="hlink"/>
+              </a:buClr>
+              <a:buSzPct val="70000"/>
+              <a:buFont typeface="Wingdings" pitchFamily="2" charset="2"/>
+              <a:buChar char="n"/>
+            </a:pPr>
+            <a:r>
+              <a:rPr lang="en-US" sz="1800" b="0" kern="0">
+                <a:solidFill>
+                  <a:schemeClr val="bg1"/>
+                </a:solidFill>
+                <a:effectLst>
+                  <a:outerShdw blurRad="38100" dist="38100" dir="2700000" algn="tl">
+                    <a:srgbClr val="C0C0C0"/>
+                  </a:outerShdw>
+                </a:effectLst>
+                <a:latin typeface="Calibri" panose="020F0502020204030204" pitchFamily="34" charset="0"/>
+                <a:cs typeface="Calibri" panose="020F0502020204030204" pitchFamily="34" charset="0"/>
+              </a:rPr>
+              <a:t>b:</a:t>
+            </a:r>
+          </a:p>
+          <a:p>
+            <a:pPr marL="800100" lvl="1" indent="-342900" latinLnBrk="1">
+              <a:spcBef>
+                <a:spcPct val="20000"/>
+              </a:spcBef>
+              <a:buClr>
+                <a:schemeClr val="hlink"/>
+              </a:buClr>
+              <a:buSzPct val="70000"/>
+              <a:buFont typeface="Wingdings" pitchFamily="2" charset="2"/>
+              <a:buChar char="n"/>
+            </a:pPr>
+            <a:r>
+              <a:rPr lang="en-US" altLang="ko-KR" sz="1800" b="0" kern="0">
+                <a:solidFill>
+                  <a:schemeClr val="bg1"/>
+                </a:solidFill>
+                <a:effectLst>
+                  <a:outerShdw blurRad="38100" dist="38100" dir="2700000" algn="tl">
+                    <a:srgbClr val="C0C0C0"/>
+                  </a:outerShdw>
+                </a:effectLst>
+                <a:latin typeface="Calibri" panose="020F0502020204030204" pitchFamily="34" charset="0"/>
+                <a:cs typeface="Calibri" panose="020F0502020204030204" pitchFamily="34" charset="0"/>
+              </a:rPr>
+              <a:t>c:</a:t>
+            </a:r>
+            <a:endParaRPr lang="en-US" sz="1800" b="0" kern="0" dirty="0">
+              <a:solidFill>
+                <a:schemeClr val="bg1"/>
+              </a:solidFill>
+              <a:effectLst>
+                <a:outerShdw blurRad="38100" dist="38100" dir="2700000" algn="tl">
+                  <a:srgbClr val="C0C0C0"/>
+                </a:outerShdw>
+              </a:effectLst>
+              <a:latin typeface="Calibri" panose="020F0502020204030204" pitchFamily="34" charset="0"/>
+              <a:cs typeface="Calibri" panose="020F0502020204030204" pitchFamily="34" charset="0"/>
+            </a:endParaRPr>
+          </a:p>
+          <a:p>
+            <a:pPr marL="342900" indent="-342900" latinLnBrk="1">
+              <a:spcBef>
+                <a:spcPct val="20000"/>
+              </a:spcBef>
+              <a:buClr>
+                <a:schemeClr val="hlink"/>
+              </a:buClr>
+              <a:buSzPct val="70000"/>
+              <a:buFont typeface="Wingdings" pitchFamily="2" charset="2"/>
+              <a:buChar char="n"/>
+            </a:pPr>
+            <a:r>
+              <a:rPr lang="en-US" sz="1800" b="0" kern="0" dirty="0">
+                <a:solidFill>
+                  <a:schemeClr val="bg1"/>
+                </a:solidFill>
+                <a:effectLst>
+                  <a:outerShdw blurRad="38100" dist="38100" dir="2700000" algn="tl">
+                    <a:srgbClr val="C0C0C0"/>
+                  </a:outerShdw>
+                </a:effectLst>
+                <a:latin typeface="Calibri" panose="020F0502020204030204" pitchFamily="34" charset="0"/>
+                <a:cs typeface="Calibri" panose="020F0502020204030204" pitchFamily="34" charset="0"/>
+              </a:rPr>
+              <a:t>GICC</a:t>
+            </a:r>
+          </a:p>
+          <a:p>
+            <a:pPr marL="800100" lvl="1" indent="-342900" latinLnBrk="1">
+              <a:spcBef>
+                <a:spcPct val="20000"/>
+              </a:spcBef>
+              <a:buClr>
+                <a:schemeClr val="hlink"/>
+              </a:buClr>
+              <a:buSzPct val="70000"/>
+              <a:buFont typeface="Wingdings" pitchFamily="2" charset="2"/>
+              <a:buChar char="n"/>
+            </a:pPr>
+            <a:r>
+              <a:rPr lang="en-US" sz="1800" b="0" kern="0" dirty="0">
+                <a:solidFill>
+                  <a:schemeClr val="bg1"/>
+                </a:solidFill>
+                <a:effectLst>
+                  <a:outerShdw blurRad="38100" dist="38100" dir="2700000" algn="tl">
+                    <a:srgbClr val="C0C0C0"/>
+                  </a:outerShdw>
+                </a:effectLst>
+                <a:latin typeface="Calibri" panose="020F0502020204030204" pitchFamily="34" charset="0"/>
+                <a:cs typeface="Calibri" panose="020F0502020204030204" pitchFamily="34" charset="0"/>
+              </a:rPr>
+              <a:t>a: </a:t>
+            </a:r>
+          </a:p>
+          <a:p>
+            <a:pPr marL="800100" lvl="1" indent="-342900" latinLnBrk="1">
+              <a:spcBef>
+                <a:spcPct val="20000"/>
+              </a:spcBef>
+              <a:buClr>
+                <a:schemeClr val="hlink"/>
+              </a:buClr>
+              <a:buSzPct val="70000"/>
+              <a:buFont typeface="Wingdings" pitchFamily="2" charset="2"/>
+              <a:buChar char="n"/>
+            </a:pPr>
+            <a:r>
+              <a:rPr lang="en-US" sz="1800" b="0" kern="0" dirty="0">
+                <a:solidFill>
+                  <a:schemeClr val="bg1"/>
+                </a:solidFill>
+                <a:effectLst>
+                  <a:outerShdw blurRad="38100" dist="38100" dir="2700000" algn="tl">
+                    <a:srgbClr val="C0C0C0"/>
+                  </a:outerShdw>
+                </a:effectLst>
+                <a:latin typeface="Calibri" panose="020F0502020204030204" pitchFamily="34" charset="0"/>
+                <a:cs typeface="Calibri" panose="020F0502020204030204" pitchFamily="34" charset="0"/>
+              </a:rPr>
+              <a:t>b:  </a:t>
+            </a:r>
+          </a:p>
+          <a:p>
+            <a:pPr marL="800100" lvl="1" indent="-342900" latinLnBrk="1">
+              <a:spcBef>
+                <a:spcPct val="20000"/>
+              </a:spcBef>
+              <a:buClr>
+                <a:schemeClr val="hlink"/>
+              </a:buClr>
+              <a:buSzPct val="70000"/>
+              <a:buFont typeface="Wingdings" pitchFamily="2" charset="2"/>
+              <a:buChar char="n"/>
+            </a:pPr>
+            <a:r>
+              <a:rPr lang="en-US" altLang="ko-KR" sz="1800" b="0" kern="0" dirty="0">
+                <a:solidFill>
+                  <a:schemeClr val="bg1"/>
+                </a:solidFill>
+                <a:effectLst>
+                  <a:outerShdw blurRad="38100" dist="38100" dir="2700000" algn="tl">
+                    <a:srgbClr val="C0C0C0"/>
+                  </a:outerShdw>
+                </a:effectLst>
+                <a:latin typeface="Calibri" panose="020F0502020204030204" pitchFamily="34" charset="0"/>
+                <a:cs typeface="Calibri" panose="020F0502020204030204" pitchFamily="34" charset="0"/>
+              </a:rPr>
+              <a:t>c:  </a:t>
+            </a:r>
+          </a:p>
+          <a:p>
+            <a:pPr marL="342900" indent="-342900" latinLnBrk="1">
+              <a:spcBef>
+                <a:spcPct val="20000"/>
+              </a:spcBef>
+              <a:buClr>
+                <a:schemeClr val="hlink"/>
+              </a:buClr>
+              <a:buSzPct val="70000"/>
+              <a:buFont typeface="Wingdings" pitchFamily="2" charset="2"/>
+              <a:buChar char="n"/>
+            </a:pPr>
+            <a:r>
+              <a:rPr lang="en-US" sz="1800" b="0" kern="0" dirty="0">
+                <a:solidFill>
+                  <a:schemeClr val="bg1"/>
+                </a:solidFill>
+                <a:effectLst>
+                  <a:outerShdw blurRad="38100" dist="38100" dir="2700000" algn="tl">
+                    <a:srgbClr val="C0C0C0"/>
+                  </a:outerShdw>
+                </a:effectLst>
+                <a:latin typeface="Calibri" panose="020F0502020204030204" pitchFamily="34" charset="0"/>
+                <a:cs typeface="Calibri" panose="020F0502020204030204" pitchFamily="34" charset="0"/>
+              </a:rPr>
+              <a:t>RICC</a:t>
+            </a:r>
+          </a:p>
+          <a:p>
+            <a:pPr marL="800100" lvl="1" indent="-342900" latinLnBrk="1">
+              <a:spcBef>
+                <a:spcPct val="20000"/>
+              </a:spcBef>
+              <a:buClr>
+                <a:schemeClr val="hlink"/>
+              </a:buClr>
+              <a:buSzPct val="70000"/>
+              <a:buFont typeface="Wingdings" pitchFamily="2" charset="2"/>
+              <a:buChar char="n"/>
+            </a:pPr>
+            <a:r>
+              <a:rPr lang="en-US" sz="1800" b="0" kern="0">
+                <a:solidFill>
+                  <a:schemeClr val="bg1"/>
+                </a:solidFill>
+                <a:effectLst>
+                  <a:outerShdw blurRad="38100" dist="38100" dir="2700000" algn="tl">
+                    <a:srgbClr val="C0C0C0"/>
+                  </a:outerShdw>
+                </a:effectLst>
+                <a:latin typeface="Calibri" panose="020F0502020204030204" pitchFamily="34" charset="0"/>
+                <a:cs typeface="Calibri" panose="020F0502020204030204" pitchFamily="34" charset="0"/>
+              </a:rPr>
+              <a:t>a:</a:t>
+            </a:r>
+          </a:p>
+          <a:p>
+            <a:pPr marL="800100" lvl="1" indent="-342900" latinLnBrk="1">
+              <a:spcBef>
+                <a:spcPct val="20000"/>
+              </a:spcBef>
+              <a:buClr>
+                <a:schemeClr val="hlink"/>
+              </a:buClr>
+              <a:buSzPct val="70000"/>
+              <a:buFont typeface="Wingdings" pitchFamily="2" charset="2"/>
+              <a:buChar char="n"/>
+            </a:pPr>
+            <a:r>
+              <a:rPr lang="en-US" sz="1800" b="0" kern="0">
+                <a:solidFill>
+                  <a:schemeClr val="bg1"/>
+                </a:solidFill>
+                <a:effectLst>
+                  <a:outerShdw blurRad="38100" dist="38100" dir="2700000" algn="tl">
+                    <a:srgbClr val="C0C0C0"/>
+                  </a:outerShdw>
+                </a:effectLst>
+                <a:latin typeface="Calibri" panose="020F0502020204030204" pitchFamily="34" charset="0"/>
+                <a:cs typeface="Calibri" panose="020F0502020204030204" pitchFamily="34" charset="0"/>
+              </a:rPr>
+              <a:t>b:</a:t>
+            </a:r>
+          </a:p>
+          <a:p>
+            <a:pPr marL="800100" lvl="1" indent="-342900" latinLnBrk="1">
+              <a:spcBef>
+                <a:spcPct val="20000"/>
+              </a:spcBef>
+              <a:buClr>
+                <a:schemeClr val="hlink"/>
+              </a:buClr>
+              <a:buSzPct val="70000"/>
+              <a:buFont typeface="Wingdings" pitchFamily="2" charset="2"/>
+              <a:buChar char="n"/>
+            </a:pPr>
+            <a:r>
+              <a:rPr lang="en-US" sz="1800" b="0" kern="0">
+                <a:solidFill>
+                  <a:schemeClr val="bg1"/>
+                </a:solidFill>
+                <a:effectLst>
+                  <a:outerShdw blurRad="38100" dist="38100" dir="2700000" algn="tl">
+                    <a:srgbClr val="C0C0C0"/>
+                  </a:outerShdw>
+                </a:effectLst>
+                <a:latin typeface="Calibri" panose="020F0502020204030204" pitchFamily="34" charset="0"/>
+                <a:cs typeface="Calibri" panose="020F0502020204030204" pitchFamily="34" charset="0"/>
+              </a:rPr>
+              <a:t>c</a:t>
+            </a:r>
+            <a:r>
+              <a:rPr lang="en-US" sz="1800" b="0" kern="0" dirty="0">
+                <a:solidFill>
+                  <a:schemeClr val="bg1"/>
+                </a:solidFill>
+                <a:effectLst>
+                  <a:outerShdw blurRad="38100" dist="38100" dir="2700000" algn="tl">
+                    <a:srgbClr val="C0C0C0"/>
+                  </a:outerShdw>
+                </a:effectLst>
+                <a:latin typeface="Calibri" panose="020F0502020204030204" pitchFamily="34" charset="0"/>
+                <a:cs typeface="Calibri" panose="020F0502020204030204" pitchFamily="34" charset="0"/>
+              </a:rPr>
+              <a:t>:  </a:t>
+            </a:r>
+          </a:p>
+          <a:p>
+            <a:pPr marL="800100" lvl="1" indent="-342900" latinLnBrk="1">
+              <a:spcBef>
+                <a:spcPct val="20000"/>
+              </a:spcBef>
+              <a:buClr>
+                <a:schemeClr val="hlink"/>
+              </a:buClr>
+              <a:buSzPct val="70000"/>
+              <a:buFont typeface="Wingdings" pitchFamily="2" charset="2"/>
+              <a:buChar char="n"/>
+            </a:pPr>
+            <a:endParaRPr lang="en-US" sz="1800" b="0" kern="0" dirty="0">
+              <a:solidFill>
+                <a:schemeClr val="bg1"/>
+              </a:solidFill>
+              <a:effectLst>
+                <a:outerShdw blurRad="38100" dist="38100" dir="2700000" algn="tl">
+                  <a:srgbClr val="C0C0C0"/>
+                </a:outerShdw>
+              </a:effectLst>
+              <a:latin typeface="Calibri" panose="020F0502020204030204" pitchFamily="34" charset="0"/>
+              <a:cs typeface="Calibri" panose="020F0502020204030204" pitchFamily="34" charset="0"/>
+            </a:endParaRPr>
+          </a:p>
+          <a:p>
+            <a:pPr marL="342900" indent="-342900" latinLnBrk="1">
+              <a:spcBef>
+                <a:spcPct val="20000"/>
+              </a:spcBef>
+              <a:buClr>
+                <a:schemeClr val="hlink"/>
+              </a:buClr>
+              <a:buSzPct val="70000"/>
+              <a:buFont typeface="Wingdings" pitchFamily="2" charset="2"/>
+              <a:buChar char="n"/>
+            </a:pPr>
+            <a:endParaRPr lang="en-US" sz="1800" b="0" kern="0" dirty="0">
+              <a:solidFill>
+                <a:schemeClr val="bg1"/>
+              </a:solidFill>
+              <a:effectLst>
+                <a:outerShdw blurRad="38100" dist="38100" dir="2700000" algn="tl">
+                  <a:srgbClr val="C0C0C0"/>
+                </a:outerShdw>
+              </a:effectLst>
+              <a:latin typeface="Calibri" panose="020F0502020204030204" pitchFamily="34" charset="0"/>
+              <a:cs typeface="Calibri" panose="020F0502020204030204" pitchFamily="34" charset="0"/>
+            </a:endParaRPr>
+          </a:p>
+          <a:p>
+            <a:pPr marL="342900" indent="-342900" latinLnBrk="1">
+              <a:spcBef>
+                <a:spcPct val="20000"/>
+              </a:spcBef>
+              <a:buClr>
+                <a:schemeClr val="hlink"/>
+              </a:buClr>
+              <a:buSzPct val="70000"/>
+              <a:buFont typeface="Wingdings" pitchFamily="2" charset="2"/>
+              <a:buChar char="n"/>
+            </a:pPr>
+            <a:endParaRPr lang="en-US" sz="1800" dirty="0">
+              <a:solidFill>
+                <a:schemeClr val="bg2"/>
+              </a:solidFill>
+              <a:latin typeface="Calibri" panose="020F0502020204030204" pitchFamily="34" charset="0"/>
+              <a:cs typeface="Calibri" panose="020F0502020204030204" pitchFamily="34" charset="0"/>
+              <a:sym typeface="Symbol" pitchFamily="18" charset="2"/>
+            </a:endParaRPr>
+          </a:p>
+        </p:txBody>
+      </p:sp>
     </p:spTree>
     <p:extLst>
       <p:ext uri="{BB962C8B-B14F-4D97-AF65-F5344CB8AC3E}">
